--- a/algorithm/string/string - zx.pptx
+++ b/algorithm/string/string - zx.pptx
@@ -5,18 +5,23 @@
     <p:sldMasterId id="2147483660" r:id="rId1"/>
   </p:sldMasterIdLst>
   <p:notesMasterIdLst>
-    <p:notesMasterId r:id="rId11"/>
+    <p:notesMasterId r:id="rId16"/>
   </p:notesMasterIdLst>
   <p:sldIdLst>
     <p:sldId id="256" r:id="rId2"/>
-    <p:sldId id="283" r:id="rId3"/>
-    <p:sldId id="289" r:id="rId4"/>
-    <p:sldId id="290" r:id="rId5"/>
-    <p:sldId id="293" r:id="rId6"/>
-    <p:sldId id="291" r:id="rId7"/>
-    <p:sldId id="292" r:id="rId8"/>
-    <p:sldId id="295" r:id="rId9"/>
-    <p:sldId id="271" r:id="rId10"/>
+    <p:sldId id="257" r:id="rId3"/>
+    <p:sldId id="258" r:id="rId4"/>
+    <p:sldId id="259" r:id="rId5"/>
+    <p:sldId id="260" r:id="rId6"/>
+    <p:sldId id="261" r:id="rId7"/>
+    <p:sldId id="262" r:id="rId8"/>
+    <p:sldId id="263" r:id="rId9"/>
+    <p:sldId id="264" r:id="rId10"/>
+    <p:sldId id="265" r:id="rId11"/>
+    <p:sldId id="266" r:id="rId12"/>
+    <p:sldId id="267" r:id="rId13"/>
+    <p:sldId id="268" r:id="rId14"/>
+    <p:sldId id="269" r:id="rId15"/>
   </p:sldIdLst>
   <p:sldSz cx="9144000" cy="6858000" type="screen4x3"/>
   <p:notesSz cx="6858000" cy="9144000"/>
@@ -216,7 +221,7 @@
           <a:p>
             <a:fld id="{E37CD321-9D37-4989-8D63-56BA8456E8F1}" type="datetimeFigureOut">
               <a:rPr lang="zh-CN" altLang="en-US" smtClean="0"/>
-              <a:t>2014/10/29</a:t>
+              <a:t>2014/10/31</a:t>
             </a:fld>
             <a:endParaRPr lang="zh-CN" altLang="en-US"/>
           </a:p>
@@ -707,7 +712,7 @@
     </p:spTree>
     <p:extLst>
       <p:ext uri="{BB962C8B-B14F-4D97-AF65-F5344CB8AC3E}">
-        <p14:creationId xmlns:p14="http://schemas.microsoft.com/office/powerpoint/2010/main" val="65956012"/>
+        <p14:creationId xmlns:p14="http://schemas.microsoft.com/office/powerpoint/2010/main" val="4239963977"/>
       </p:ext>
     </p:extLst>
   </p:cSld>
@@ -811,7 +816,7 @@
     </p:spTree>
     <p:extLst>
       <p:ext uri="{BB962C8B-B14F-4D97-AF65-F5344CB8AC3E}">
-        <p14:creationId xmlns:p14="http://schemas.microsoft.com/office/powerpoint/2010/main" val="635228137"/>
+        <p14:creationId xmlns:p14="http://schemas.microsoft.com/office/powerpoint/2010/main" val="3471581811"/>
       </p:ext>
     </p:extLst>
   </p:cSld>
@@ -905,7 +910,7 @@
     </p:spTree>
     <p:extLst>
       <p:ext uri="{BB962C8B-B14F-4D97-AF65-F5344CB8AC3E}">
-        <p14:creationId xmlns:p14="http://schemas.microsoft.com/office/powerpoint/2010/main" val="3290738664"/>
+        <p14:creationId xmlns:p14="http://schemas.microsoft.com/office/powerpoint/2010/main" val="3467540508"/>
       </p:ext>
     </p:extLst>
   </p:cSld>
@@ -980,7 +985,7 @@
           <a:p>
             <a:fld id="{BA6CE3D9-43CE-4857-B12B-ED85D5E178F2}" type="slidenum">
               <a:rPr lang="zh-CN" altLang="en-US" smtClean="0"/>
-              <a:t>9</a:t>
+              <a:t>14</a:t>
             </a:fld>
             <a:endParaRPr lang="zh-CN" altLang="en-US"/>
           </a:p>
@@ -989,7 +994,7 @@
     </p:spTree>
     <p:extLst>
       <p:ext uri="{BB962C8B-B14F-4D97-AF65-F5344CB8AC3E}">
-        <p14:creationId xmlns:p14="http://schemas.microsoft.com/office/powerpoint/2010/main" val="4182003756"/>
+        <p14:creationId xmlns:p14="http://schemas.microsoft.com/office/powerpoint/2010/main" val="2782103346"/>
       </p:ext>
     </p:extLst>
   </p:cSld>
@@ -3756,7 +3761,7 @@
           <a:p>
             <a:fld id="{530820CF-B880-4189-942D-D702A7CBA730}" type="datetimeFigureOut">
               <a:rPr lang="zh-CN" altLang="en-US" smtClean="0"/>
-              <a:t>2014/10/29</a:t>
+              <a:t>2014/10/31</a:t>
             </a:fld>
             <a:endParaRPr lang="zh-CN" altLang="en-US"/>
           </a:p>
@@ -4041,7 +4046,7 @@
           <a:p>
             <a:fld id="{530820CF-B880-4189-942D-D702A7CBA730}" type="datetimeFigureOut">
               <a:rPr lang="zh-CN" altLang="en-US" smtClean="0"/>
-              <a:t>2014/10/29</a:t>
+              <a:t>2014/10/31</a:t>
             </a:fld>
             <a:endParaRPr lang="zh-CN" altLang="en-US"/>
           </a:p>
@@ -4216,7 +4221,7 @@
           <a:p>
             <a:fld id="{530820CF-B880-4189-942D-D702A7CBA730}" type="datetimeFigureOut">
               <a:rPr lang="zh-CN" altLang="en-US" smtClean="0"/>
-              <a:t>2014/10/29</a:t>
+              <a:t>2014/10/31</a:t>
             </a:fld>
             <a:endParaRPr lang="zh-CN" altLang="en-US"/>
           </a:p>
@@ -4381,7 +4386,7 @@
           <a:p>
             <a:fld id="{530820CF-B880-4189-942D-D702A7CBA730}" type="datetimeFigureOut">
               <a:rPr lang="zh-CN" altLang="en-US" smtClean="0"/>
-              <a:t>2014/10/29</a:t>
+              <a:t>2014/10/31</a:t>
             </a:fld>
             <a:endParaRPr lang="zh-CN" altLang="en-US"/>
           </a:p>
@@ -4622,7 +4627,7 @@
           <a:p>
             <a:fld id="{530820CF-B880-4189-942D-D702A7CBA730}" type="datetimeFigureOut">
               <a:rPr lang="zh-CN" altLang="en-US" smtClean="0"/>
-              <a:t>2014/10/29</a:t>
+              <a:t>2014/10/31</a:t>
             </a:fld>
             <a:endParaRPr lang="zh-CN" altLang="en-US"/>
           </a:p>
@@ -4735,7 +4740,7 @@
           <a:p>
             <a:fld id="{530820CF-B880-4189-942D-D702A7CBA730}" type="datetimeFigureOut">
               <a:rPr lang="zh-CN" altLang="en-US" smtClean="0"/>
-              <a:t>2014/10/29</a:t>
+              <a:t>2014/10/31</a:t>
             </a:fld>
             <a:endParaRPr lang="zh-CN" altLang="en-US"/>
           </a:p>
@@ -5274,7 +5279,7 @@
           <a:p>
             <a:fld id="{530820CF-B880-4189-942D-D702A7CBA730}" type="datetimeFigureOut">
               <a:rPr lang="zh-CN" altLang="en-US" smtClean="0"/>
-              <a:t>2014/10/29</a:t>
+              <a:t>2014/10/31</a:t>
             </a:fld>
             <a:endParaRPr lang="zh-CN" altLang="en-US"/>
           </a:p>
@@ -5387,7 +5392,7 @@
           <a:p>
             <a:fld id="{530820CF-B880-4189-942D-D702A7CBA730}" type="datetimeFigureOut">
               <a:rPr lang="zh-CN" altLang="en-US" smtClean="0"/>
-              <a:t>2014/10/29</a:t>
+              <a:t>2014/10/31</a:t>
             </a:fld>
             <a:endParaRPr lang="zh-CN" altLang="en-US"/>
           </a:p>
@@ -5477,7 +5482,7 @@
           <a:p>
             <a:fld id="{530820CF-B880-4189-942D-D702A7CBA730}" type="datetimeFigureOut">
               <a:rPr lang="zh-CN" altLang="en-US" smtClean="0"/>
-              <a:t>2014/10/29</a:t>
+              <a:t>2014/10/31</a:t>
             </a:fld>
             <a:endParaRPr lang="zh-CN" altLang="en-US"/>
           </a:p>
@@ -8128,7 +8133,7 @@
           <a:p>
             <a:fld id="{530820CF-B880-4189-942D-D702A7CBA730}" type="datetimeFigureOut">
               <a:rPr lang="zh-CN" altLang="en-US" smtClean="0"/>
-              <a:t>2014/10/29</a:t>
+              <a:t>2014/10/31</a:t>
             </a:fld>
             <a:endParaRPr lang="zh-CN" altLang="en-US"/>
           </a:p>
@@ -11340,7 +11345,7 @@
           <a:p>
             <a:fld id="{530820CF-B880-4189-942D-D702A7CBA730}" type="datetimeFigureOut">
               <a:rPr lang="zh-CN" altLang="en-US" smtClean="0"/>
-              <a:t>2014/10/29</a:t>
+              <a:t>2014/10/31</a:t>
             </a:fld>
             <a:endParaRPr lang="zh-CN" altLang="en-US"/>
           </a:p>
@@ -14162,7 +14167,7 @@
           <a:p>
             <a:fld id="{530820CF-B880-4189-942D-D702A7CBA730}" type="datetimeFigureOut">
               <a:rPr lang="zh-CN" altLang="en-US" smtClean="0"/>
-              <a:t>2014/10/29</a:t>
+              <a:t>2014/10/31</a:t>
             </a:fld>
             <a:endParaRPr lang="zh-CN" altLang="en-US"/>
           </a:p>
@@ -14695,6 +14700,598 @@
 </p:sld>
 </file>
 
+<file path=ppt/slides/slide10.xml><?xml version="1.0" encoding="utf-8"?>
+<p:sld xmlns:a="http://schemas.openxmlformats.org/drawingml/2006/main" xmlns:r="http://schemas.openxmlformats.org/officeDocument/2006/relationships" xmlns:p="http://schemas.openxmlformats.org/presentationml/2006/main">
+  <p:cSld>
+    <p:spTree>
+      <p:nvGrpSpPr>
+        <p:cNvPr id="1" name=""/>
+        <p:cNvGrpSpPr/>
+        <p:nvPr/>
+      </p:nvGrpSpPr>
+      <p:grpSpPr>
+        <a:xfrm>
+          <a:off x="0" y="0"/>
+          <a:ext cx="0" cy="0"/>
+          <a:chOff x="0" y="0"/>
+          <a:chExt cx="0" cy="0"/>
+        </a:xfrm>
+      </p:grpSpPr>
+      <p:sp>
+        <p:nvSpPr>
+          <p:cNvPr id="2" name="标题 1"/>
+          <p:cNvSpPr>
+            <a:spLocks noGrp="1"/>
+          </p:cNvSpPr>
+          <p:nvPr>
+            <p:ph type="title"/>
+          </p:nvPr>
+        </p:nvSpPr>
+        <p:spPr/>
+        <p:txBody>
+          <a:bodyPr/>
+          <a:lstStyle/>
+          <a:p>
+            <a:r>
+              <a:rPr lang="zh-CN" altLang="en-US" dirty="0" smtClean="0"/>
+              <a:t>我们为什么要讨论面试算法？</a:t>
+            </a:r>
+            <a:endParaRPr lang="zh-CN" altLang="en-US" dirty="0"/>
+          </a:p>
+        </p:txBody>
+      </p:sp>
+      <p:sp>
+        <p:nvSpPr>
+          <p:cNvPr id="3" name="内容占位符 2"/>
+          <p:cNvSpPr>
+            <a:spLocks noGrp="1"/>
+          </p:cNvSpPr>
+          <p:nvPr>
+            <p:ph idx="1"/>
+          </p:nvPr>
+        </p:nvSpPr>
+        <p:spPr/>
+        <p:txBody>
+          <a:bodyPr/>
+          <a:lstStyle/>
+          <a:p>
+            <a:r>
+              <a:rPr lang="zh-CN" altLang="en-US" dirty="0"/>
+              <a:t>一个人可能很难理解，通过讨论，用</a:t>
+            </a:r>
+            <a:r>
+              <a:rPr lang="zh-CN" altLang="en-US" dirty="0">
+                <a:solidFill>
+                  <a:srgbClr val="FF0000"/>
+                </a:solidFill>
+              </a:rPr>
+              <a:t>更短时间来</a:t>
+            </a:r>
+            <a:r>
+              <a:rPr lang="zh-CN" altLang="en-US" dirty="0" smtClean="0">
+                <a:solidFill>
+                  <a:srgbClr val="FF0000"/>
+                </a:solidFill>
+              </a:rPr>
+              <a:t>理解</a:t>
+            </a:r>
+            <a:endParaRPr lang="en-US" altLang="zh-CN" dirty="0" smtClean="0">
+              <a:solidFill>
+                <a:srgbClr val="FF0000"/>
+              </a:solidFill>
+            </a:endParaRPr>
+          </a:p>
+          <a:p>
+            <a:r>
+              <a:rPr lang="zh-CN" altLang="en-US" dirty="0" smtClean="0"/>
+              <a:t>为面试做准备</a:t>
+            </a:r>
+            <a:endParaRPr lang="en-US" altLang="zh-CN" dirty="0" smtClean="0"/>
+          </a:p>
+          <a:p>
+            <a:r>
+              <a:rPr lang="zh-CN" altLang="en-US" dirty="0" smtClean="0"/>
+              <a:t>求知</a:t>
+            </a:r>
+            <a:endParaRPr lang="zh-CN" altLang="en-US" dirty="0"/>
+          </a:p>
+        </p:txBody>
+      </p:sp>
+    </p:spTree>
+    <p:extLst>
+      <p:ext uri="{BB962C8B-B14F-4D97-AF65-F5344CB8AC3E}">
+        <p14:creationId xmlns:p14="http://schemas.microsoft.com/office/powerpoint/2010/main" val="3941025"/>
+      </p:ext>
+    </p:extLst>
+  </p:cSld>
+  <p:clrMapOvr>
+    <a:masterClrMapping/>
+  </p:clrMapOvr>
+</p:sld>
+</file>
+
+<file path=ppt/slides/slide11.xml><?xml version="1.0" encoding="utf-8"?>
+<p:sld xmlns:a="http://schemas.openxmlformats.org/drawingml/2006/main" xmlns:r="http://schemas.openxmlformats.org/officeDocument/2006/relationships" xmlns:p="http://schemas.openxmlformats.org/presentationml/2006/main">
+  <p:cSld>
+    <p:spTree>
+      <p:nvGrpSpPr>
+        <p:cNvPr id="1" name=""/>
+        <p:cNvGrpSpPr/>
+        <p:nvPr/>
+      </p:nvGrpSpPr>
+      <p:grpSpPr>
+        <a:xfrm>
+          <a:off x="0" y="0"/>
+          <a:ext cx="0" cy="0"/>
+          <a:chOff x="0" y="0"/>
+          <a:chExt cx="0" cy="0"/>
+        </a:xfrm>
+      </p:grpSpPr>
+      <p:sp>
+        <p:nvSpPr>
+          <p:cNvPr id="2" name="标题 1"/>
+          <p:cNvSpPr>
+            <a:spLocks noGrp="1"/>
+          </p:cNvSpPr>
+          <p:nvPr>
+            <p:ph type="title"/>
+          </p:nvPr>
+        </p:nvSpPr>
+        <p:spPr/>
+        <p:txBody>
+          <a:bodyPr/>
+          <a:lstStyle/>
+          <a:p>
+            <a:r>
+              <a:rPr lang="zh-CN" altLang="en-US" dirty="0" smtClean="0"/>
+              <a:t>什么需要讨论？</a:t>
+            </a:r>
+            <a:endParaRPr lang="zh-CN" altLang="en-US" dirty="0"/>
+          </a:p>
+        </p:txBody>
+      </p:sp>
+      <p:sp>
+        <p:nvSpPr>
+          <p:cNvPr id="3" name="内容占位符 2"/>
+          <p:cNvSpPr>
+            <a:spLocks noGrp="1"/>
+          </p:cNvSpPr>
+          <p:nvPr>
+            <p:ph idx="1"/>
+          </p:nvPr>
+        </p:nvSpPr>
+        <p:spPr/>
+        <p:txBody>
+          <a:bodyPr/>
+          <a:lstStyle/>
+          <a:p>
+            <a:r>
+              <a:rPr lang="zh-CN" altLang="en-US" dirty="0"/>
+              <a:t>思想</a:t>
+            </a:r>
+            <a:endParaRPr lang="en-US" altLang="zh-CN" dirty="0"/>
+          </a:p>
+          <a:p>
+            <a:r>
+              <a:rPr lang="zh-CN" altLang="en-US" dirty="0" smtClean="0"/>
+              <a:t>细节</a:t>
+            </a:r>
+            <a:endParaRPr lang="en-US" altLang="zh-CN" dirty="0" smtClean="0"/>
+          </a:p>
+          <a:p>
+            <a:r>
+              <a:rPr lang="zh-CN" altLang="en-US" dirty="0" smtClean="0"/>
+              <a:t>拓展</a:t>
+            </a:r>
+            <a:endParaRPr lang="en-US" altLang="zh-CN" dirty="0" smtClean="0"/>
+          </a:p>
+          <a:p>
+            <a:endParaRPr lang="en-US" altLang="zh-CN" dirty="0"/>
+          </a:p>
+          <a:p>
+            <a:endParaRPr lang="en-US" altLang="zh-CN" dirty="0" smtClean="0"/>
+          </a:p>
+          <a:p>
+            <a:r>
+              <a:rPr lang="zh-CN" altLang="en-US" dirty="0" smtClean="0"/>
+              <a:t>可以自学的内容一带而过</a:t>
+            </a:r>
+            <a:endParaRPr lang="zh-CN" altLang="en-US" dirty="0"/>
+          </a:p>
+        </p:txBody>
+      </p:sp>
+    </p:spTree>
+    <p:extLst>
+      <p:ext uri="{BB962C8B-B14F-4D97-AF65-F5344CB8AC3E}">
+        <p14:creationId xmlns:p14="http://schemas.microsoft.com/office/powerpoint/2010/main" val="74011349"/>
+      </p:ext>
+    </p:extLst>
+  </p:cSld>
+  <p:clrMapOvr>
+    <a:masterClrMapping/>
+  </p:clrMapOvr>
+</p:sld>
+</file>
+
+<file path=ppt/slides/slide12.xml><?xml version="1.0" encoding="utf-8"?>
+<p:sld xmlns:a="http://schemas.openxmlformats.org/drawingml/2006/main" xmlns:r="http://schemas.openxmlformats.org/officeDocument/2006/relationships" xmlns:p="http://schemas.openxmlformats.org/presentationml/2006/main">
+  <p:cSld>
+    <p:spTree>
+      <p:nvGrpSpPr>
+        <p:cNvPr id="1" name=""/>
+        <p:cNvGrpSpPr/>
+        <p:nvPr/>
+      </p:nvGrpSpPr>
+      <p:grpSpPr>
+        <a:xfrm>
+          <a:off x="0" y="0"/>
+          <a:ext cx="0" cy="0"/>
+          <a:chOff x="0" y="0"/>
+          <a:chExt cx="0" cy="0"/>
+        </a:xfrm>
+      </p:grpSpPr>
+      <p:sp>
+        <p:nvSpPr>
+          <p:cNvPr id="2" name="标题 1"/>
+          <p:cNvSpPr>
+            <a:spLocks noGrp="1"/>
+          </p:cNvSpPr>
+          <p:nvPr>
+            <p:ph type="title"/>
+          </p:nvPr>
+        </p:nvSpPr>
+        <p:spPr/>
+        <p:txBody>
+          <a:bodyPr/>
+          <a:lstStyle/>
+          <a:p>
+            <a:r>
+              <a:rPr lang="zh-CN" altLang="en-US" dirty="0" smtClean="0"/>
+              <a:t>计划</a:t>
+            </a:r>
+            <a:r>
+              <a:rPr lang="en-US" altLang="zh-CN" dirty="0" smtClean="0"/>
+              <a:t>&amp;&amp;</a:t>
+            </a:r>
+            <a:r>
+              <a:rPr lang="zh-CN" altLang="en-US" dirty="0" smtClean="0"/>
+              <a:t>目标</a:t>
+            </a:r>
+            <a:endParaRPr lang="zh-CN" altLang="en-US" dirty="0"/>
+          </a:p>
+        </p:txBody>
+      </p:sp>
+      <p:sp>
+        <p:nvSpPr>
+          <p:cNvPr id="3" name="内容占位符 2"/>
+          <p:cNvSpPr>
+            <a:spLocks noGrp="1"/>
+          </p:cNvSpPr>
+          <p:nvPr>
+            <p:ph idx="1"/>
+          </p:nvPr>
+        </p:nvSpPr>
+        <p:spPr/>
+        <p:txBody>
+          <a:bodyPr/>
+          <a:lstStyle/>
+          <a:p>
+            <a:r>
+              <a:rPr lang="zh-CN" altLang="en-US" dirty="0" smtClean="0"/>
+              <a:t>分主题讨论</a:t>
+            </a:r>
+            <a:endParaRPr lang="en-US" altLang="zh-CN" dirty="0" smtClean="0"/>
+          </a:p>
+          <a:p>
+            <a:pPr lvl="1"/>
+            <a:r>
+              <a:rPr lang="zh-CN" altLang="en-US" dirty="0"/>
+              <a:t>一周两个人，一人一个值得思考的</a:t>
+            </a:r>
+            <a:r>
+              <a:rPr lang="zh-CN" altLang="en-US" dirty="0" smtClean="0"/>
+              <a:t>点</a:t>
+            </a:r>
+            <a:endParaRPr lang="en-US" altLang="zh-CN" dirty="0" smtClean="0"/>
+          </a:p>
+          <a:p>
+            <a:pPr lvl="1"/>
+            <a:r>
+              <a:rPr lang="zh-CN" altLang="en-US" dirty="0" smtClean="0"/>
+              <a:t>其他</a:t>
+            </a:r>
+            <a:r>
+              <a:rPr lang="zh-CN" altLang="en-US" dirty="0"/>
+              <a:t>题目可一带而</a:t>
+            </a:r>
+            <a:r>
+              <a:rPr lang="zh-CN" altLang="en-US" dirty="0" smtClean="0"/>
+              <a:t>过</a:t>
+            </a:r>
+            <a:endParaRPr lang="en-US" altLang="zh-CN" dirty="0" smtClean="0"/>
+          </a:p>
+          <a:p>
+            <a:endParaRPr lang="en-US" altLang="zh-CN" dirty="0" smtClean="0"/>
+          </a:p>
+          <a:p>
+            <a:r>
+              <a:rPr lang="zh-CN" altLang="zh-CN" dirty="0"/>
+              <a:t>能够在每个主题讨论完时，把</a:t>
+            </a:r>
+            <a:r>
+              <a:rPr lang="en-US" altLang="zh-CN" dirty="0" err="1">
+                <a:solidFill>
+                  <a:srgbClr val="FF0000"/>
+                </a:solidFill>
+              </a:rPr>
+              <a:t>LeetCode</a:t>
+            </a:r>
+            <a:r>
+              <a:rPr lang="zh-CN" altLang="zh-CN" dirty="0"/>
+              <a:t>的相关题目刷一</a:t>
+            </a:r>
+            <a:r>
+              <a:rPr lang="zh-CN" altLang="zh-CN" dirty="0" smtClean="0"/>
+              <a:t>遍</a:t>
+            </a:r>
+            <a:endParaRPr lang="en-US" altLang="zh-CN" dirty="0" smtClean="0"/>
+          </a:p>
+          <a:p>
+            <a:r>
+              <a:rPr lang="zh-CN" altLang="en-US" dirty="0" smtClean="0">
+                <a:solidFill>
+                  <a:srgbClr val="FF0000"/>
+                </a:solidFill>
+              </a:rPr>
+              <a:t>知道最基础的东西，其他推出来</a:t>
+            </a:r>
+            <a:endParaRPr lang="en-US" altLang="zh-CN" dirty="0" smtClean="0">
+              <a:solidFill>
+                <a:srgbClr val="FF0000"/>
+              </a:solidFill>
+            </a:endParaRPr>
+          </a:p>
+          <a:p>
+            <a:endParaRPr lang="zh-CN" altLang="en-US" dirty="0"/>
+          </a:p>
+        </p:txBody>
+      </p:sp>
+    </p:spTree>
+    <p:extLst>
+      <p:ext uri="{BB962C8B-B14F-4D97-AF65-F5344CB8AC3E}">
+        <p14:creationId xmlns:p14="http://schemas.microsoft.com/office/powerpoint/2010/main" val="1968987685"/>
+      </p:ext>
+    </p:extLst>
+  </p:cSld>
+  <p:clrMapOvr>
+    <a:masterClrMapping/>
+  </p:clrMapOvr>
+</p:sld>
+</file>
+
+<file path=ppt/slides/slide13.xml><?xml version="1.0" encoding="utf-8"?>
+<p:sld xmlns:a="http://schemas.openxmlformats.org/drawingml/2006/main" xmlns:r="http://schemas.openxmlformats.org/officeDocument/2006/relationships" xmlns:p="http://schemas.openxmlformats.org/presentationml/2006/main">
+  <p:cSld>
+    <p:spTree>
+      <p:nvGrpSpPr>
+        <p:cNvPr id="1" name=""/>
+        <p:cNvGrpSpPr/>
+        <p:nvPr/>
+      </p:nvGrpSpPr>
+      <p:grpSpPr>
+        <a:xfrm>
+          <a:off x="0" y="0"/>
+          <a:ext cx="0" cy="0"/>
+          <a:chOff x="0" y="0"/>
+          <a:chExt cx="0" cy="0"/>
+        </a:xfrm>
+      </p:grpSpPr>
+      <p:sp>
+        <p:nvSpPr>
+          <p:cNvPr id="2" name="标题 1"/>
+          <p:cNvSpPr>
+            <a:spLocks noGrp="1"/>
+          </p:cNvSpPr>
+          <p:nvPr>
+            <p:ph type="title"/>
+          </p:nvPr>
+        </p:nvSpPr>
+        <p:spPr/>
+        <p:txBody>
+          <a:bodyPr/>
+          <a:lstStyle/>
+          <a:p>
+            <a:endParaRPr lang="zh-CN" altLang="en-US" dirty="0"/>
+          </a:p>
+        </p:txBody>
+      </p:sp>
+      <p:sp>
+        <p:nvSpPr>
+          <p:cNvPr id="3" name="内容占位符 2"/>
+          <p:cNvSpPr>
+            <a:spLocks noGrp="1"/>
+          </p:cNvSpPr>
+          <p:nvPr>
+            <p:ph idx="1"/>
+          </p:nvPr>
+        </p:nvSpPr>
+        <p:spPr/>
+        <p:txBody>
+          <a:bodyPr/>
+          <a:lstStyle/>
+          <a:p>
+            <a:r>
+              <a:rPr lang="zh-CN" altLang="en-US" dirty="0">
+                <a:hlinkClick r:id="rId2"/>
+              </a:rPr>
+              <a:t>旋转</a:t>
+            </a:r>
+            <a:r>
+              <a:rPr lang="zh-CN" altLang="en-US" dirty="0" smtClean="0">
+                <a:hlinkClick r:id="rId2"/>
+              </a:rPr>
+              <a:t>字符串</a:t>
+            </a:r>
+            <a:endParaRPr lang="en-US" altLang="zh-CN" dirty="0" smtClean="0"/>
+          </a:p>
+          <a:p>
+            <a:r>
+              <a:rPr lang="zh-CN" altLang="en-US" dirty="0" smtClean="0"/>
+              <a:t>回文</a:t>
+            </a:r>
+            <a:endParaRPr lang="en-US" altLang="zh-CN" dirty="0" smtClean="0"/>
+          </a:p>
+          <a:p>
+            <a:pPr lvl="1"/>
+            <a:r>
+              <a:rPr lang="zh-CN" altLang="en-US" dirty="0" smtClean="0">
+                <a:hlinkClick r:id="rId3"/>
+              </a:rPr>
+              <a:t>回文判断</a:t>
+            </a:r>
+            <a:endParaRPr lang="en-US" altLang="zh-CN" dirty="0" smtClean="0"/>
+          </a:p>
+          <a:p>
+            <a:pPr lvl="1"/>
+            <a:r>
+              <a:rPr lang="zh-CN" altLang="en-US" dirty="0">
+                <a:hlinkClick r:id="rId4"/>
+              </a:rPr>
+              <a:t>最</a:t>
+            </a:r>
+            <a:r>
+              <a:rPr lang="zh-CN" altLang="en-US" dirty="0" smtClean="0">
+                <a:hlinkClick r:id="rId4"/>
+              </a:rPr>
+              <a:t>长回文子串</a:t>
+            </a:r>
+            <a:endParaRPr lang="en-US" altLang="zh-CN" dirty="0" smtClean="0"/>
+          </a:p>
+          <a:p>
+            <a:pPr lvl="1"/>
+            <a:r>
+              <a:rPr lang="zh-CN" altLang="en-US" dirty="0">
+                <a:hlinkClick r:id="rId5"/>
+              </a:rPr>
+              <a:t>最少添加几个字符可以使给定字符串成为回文</a:t>
+            </a:r>
+            <a:r>
+              <a:rPr lang="zh-CN" altLang="en-US" dirty="0" smtClean="0">
+                <a:hlinkClick r:id="rId5"/>
+              </a:rPr>
+              <a:t>字符串</a:t>
+            </a:r>
+            <a:endParaRPr lang="en-US" altLang="zh-CN" dirty="0" smtClean="0"/>
+          </a:p>
+          <a:p>
+            <a:r>
+              <a:rPr lang="zh-CN" altLang="en-US" dirty="0" smtClean="0">
+                <a:hlinkClick r:id="rId6"/>
+              </a:rPr>
+              <a:t>字符串的全排列</a:t>
+            </a:r>
+            <a:endParaRPr lang="zh-CN" altLang="en-US" dirty="0"/>
+          </a:p>
+        </p:txBody>
+      </p:sp>
+    </p:spTree>
+    <p:extLst>
+      <p:ext uri="{BB962C8B-B14F-4D97-AF65-F5344CB8AC3E}">
+        <p14:creationId xmlns:p14="http://schemas.microsoft.com/office/powerpoint/2010/main" val="2104796383"/>
+      </p:ext>
+    </p:extLst>
+  </p:cSld>
+  <p:clrMapOvr>
+    <a:masterClrMapping/>
+  </p:clrMapOvr>
+</p:sld>
+</file>
+
+<file path=ppt/slides/slide14.xml><?xml version="1.0" encoding="utf-8"?>
+<p:sld xmlns:a="http://schemas.openxmlformats.org/drawingml/2006/main" xmlns:r="http://schemas.openxmlformats.org/officeDocument/2006/relationships" xmlns:p="http://schemas.openxmlformats.org/presentationml/2006/main">
+  <p:cSld>
+    <p:spTree>
+      <p:nvGrpSpPr>
+        <p:cNvPr id="1" name=""/>
+        <p:cNvGrpSpPr/>
+        <p:nvPr/>
+      </p:nvGrpSpPr>
+      <p:grpSpPr>
+        <a:xfrm>
+          <a:off x="0" y="0"/>
+          <a:ext cx="0" cy="0"/>
+          <a:chOff x="0" y="0"/>
+          <a:chExt cx="0" cy="0"/>
+        </a:xfrm>
+      </p:grpSpPr>
+      <p:sp>
+        <p:nvSpPr>
+          <p:cNvPr id="2" name="标题 1"/>
+          <p:cNvSpPr>
+            <a:spLocks noGrp="1"/>
+          </p:cNvSpPr>
+          <p:nvPr>
+            <p:ph type="title"/>
+          </p:nvPr>
+        </p:nvSpPr>
+        <p:spPr>
+          <a:xfrm>
+            <a:off x="1043490" y="2708920"/>
+            <a:ext cx="7024744" cy="1143000"/>
+          </a:xfrm>
+        </p:spPr>
+        <p:txBody>
+          <a:bodyPr/>
+          <a:lstStyle/>
+          <a:p>
+            <a:pPr algn="ctr"/>
+            <a:r>
+              <a:rPr lang="zh-CN" altLang="en-US" dirty="0" smtClean="0"/>
+              <a:t>谢谢！</a:t>
+            </a:r>
+            <a:endParaRPr lang="zh-CN" altLang="en-US" dirty="0"/>
+          </a:p>
+        </p:txBody>
+      </p:sp>
+      <p:sp>
+        <p:nvSpPr>
+          <p:cNvPr id="3" name="内容占位符 2"/>
+          <p:cNvSpPr>
+            <a:spLocks noGrp="1"/>
+          </p:cNvSpPr>
+          <p:nvPr>
+            <p:ph idx="1"/>
+          </p:nvPr>
+        </p:nvSpPr>
+        <p:spPr/>
+        <p:txBody>
+          <a:bodyPr/>
+          <a:lstStyle/>
+          <a:p>
+            <a:endParaRPr lang="zh-CN" altLang="en-US" dirty="0"/>
+          </a:p>
+        </p:txBody>
+      </p:sp>
+    </p:spTree>
+    <p:extLst>
+      <p:ext uri="{BB962C8B-B14F-4D97-AF65-F5344CB8AC3E}">
+        <p14:creationId xmlns:p14="http://schemas.microsoft.com/office/powerpoint/2010/main" val="318338718"/>
+      </p:ext>
+    </p:extLst>
+  </p:cSld>
+  <p:clrMapOvr>
+    <a:masterClrMapping/>
+  </p:clrMapOvr>
+  <p:timing>
+    <p:tnLst>
+      <p:par>
+        <p:cTn id="1" dur="indefinite" restart="never" nodeType="tmRoot"/>
+      </p:par>
+    </p:tnLst>
+  </p:timing>
+</p:sld>
+</file>
+
 <file path=ppt/slides/slide2.xml><?xml version="1.0" encoding="utf-8"?>
 <p:sld xmlns:a="http://schemas.openxmlformats.org/drawingml/2006/main" xmlns:r="http://schemas.openxmlformats.org/officeDocument/2006/relationships" xmlns:p="http://schemas.openxmlformats.org/presentationml/2006/main">
   <p:cSld>
@@ -14763,7 +15360,15 @@
             </a:r>
             <a:r>
               <a:rPr lang="zh-CN" altLang="en-US" dirty="0"/>
-              <a:t>前的空白</a:t>
+              <a:t>前</a:t>
+            </a:r>
+            <a:r>
+              <a:rPr lang="zh-CN" altLang="en-US" dirty="0" smtClean="0"/>
+              <a:t>的</a:t>
+            </a:r>
+            <a:r>
+              <a:rPr lang="zh-CN" altLang="en-US" dirty="0"/>
+              <a:t>空格</a:t>
             </a:r>
           </a:p>
           <a:p>
@@ -14833,13 +15438,20 @@
     </p:spTree>
     <p:extLst>
       <p:ext uri="{BB962C8B-B14F-4D97-AF65-F5344CB8AC3E}">
-        <p14:creationId xmlns:p14="http://schemas.microsoft.com/office/powerpoint/2010/main" val="1460135264"/>
+        <p14:creationId xmlns:p14="http://schemas.microsoft.com/office/powerpoint/2010/main" val="4206997369"/>
       </p:ext>
     </p:extLst>
   </p:cSld>
   <p:clrMapOvr>
     <a:masterClrMapping/>
   </p:clrMapOvr>
+  <p:timing>
+    <p:tnLst>
+      <p:par>
+        <p:cTn id="1" dur="indefinite" restart="never" nodeType="tmRoot"/>
+      </p:par>
+    </p:tnLst>
+  </p:timing>
 </p:sld>
 </file>
 
@@ -14925,7 +15537,7 @@
     </p:spTree>
     <p:extLst>
       <p:ext uri="{BB962C8B-B14F-4D97-AF65-F5344CB8AC3E}">
-        <p14:creationId xmlns:p14="http://schemas.microsoft.com/office/powerpoint/2010/main" val="1780669052"/>
+        <p14:creationId xmlns:p14="http://schemas.microsoft.com/office/powerpoint/2010/main" val="3591366271"/>
       </p:ext>
     </p:extLst>
   </p:cSld>
@@ -15040,13 +15652,20 @@
     </p:spTree>
     <p:extLst>
       <p:ext uri="{BB962C8B-B14F-4D97-AF65-F5344CB8AC3E}">
-        <p14:creationId xmlns:p14="http://schemas.microsoft.com/office/powerpoint/2010/main" val="841217879"/>
+        <p14:creationId xmlns:p14="http://schemas.microsoft.com/office/powerpoint/2010/main" val="1617199041"/>
       </p:ext>
     </p:extLst>
   </p:cSld>
   <p:clrMapOvr>
     <a:masterClrMapping/>
   </p:clrMapOvr>
+  <p:timing>
+    <p:tnLst>
+      <p:par>
+        <p:cTn id="1" dur="indefinite" restart="never" nodeType="tmRoot"/>
+      </p:par>
+    </p:tnLst>
+  </p:timing>
 </p:sld>
 </file>
 
@@ -15156,13 +15775,20 @@
     </p:spTree>
     <p:extLst>
       <p:ext uri="{BB962C8B-B14F-4D97-AF65-F5344CB8AC3E}">
-        <p14:creationId xmlns:p14="http://schemas.microsoft.com/office/powerpoint/2010/main" val="1972133599"/>
+        <p14:creationId xmlns:p14="http://schemas.microsoft.com/office/powerpoint/2010/main" val="520400140"/>
       </p:ext>
     </p:extLst>
   </p:cSld>
   <p:clrMapOvr>
     <a:masterClrMapping/>
   </p:clrMapOvr>
+  <p:timing>
+    <p:tnLst>
+      <p:par>
+        <p:cTn id="1" dur="indefinite" restart="never" nodeType="tmRoot"/>
+      </p:par>
+    </p:tnLst>
+  </p:timing>
 </p:sld>
 </file>
 
@@ -15294,7 +15920,7 @@
     </p:spTree>
     <p:extLst>
       <p:ext uri="{BB962C8B-B14F-4D97-AF65-F5344CB8AC3E}">
-        <p14:creationId xmlns:p14="http://schemas.microsoft.com/office/powerpoint/2010/main" val="3728866205"/>
+        <p14:creationId xmlns:p14="http://schemas.microsoft.com/office/powerpoint/2010/main" val="3259715995"/>
       </p:ext>
     </p:extLst>
   </p:cSld>
@@ -15502,7 +16128,7 @@
     </p:spTree>
     <p:extLst>
       <p:ext uri="{BB962C8B-B14F-4D97-AF65-F5344CB8AC3E}">
-        <p14:creationId xmlns:p14="http://schemas.microsoft.com/office/powerpoint/2010/main" val="2140531899"/>
+        <p14:creationId xmlns:p14="http://schemas.microsoft.com/office/powerpoint/2010/main" val="1855513173"/>
       </p:ext>
     </p:extLst>
   </p:cSld>
@@ -15638,13 +16264,20 @@
     </p:spTree>
     <p:extLst>
       <p:ext uri="{BB962C8B-B14F-4D97-AF65-F5344CB8AC3E}">
-        <p14:creationId xmlns:p14="http://schemas.microsoft.com/office/powerpoint/2010/main" val="1362604070"/>
+        <p14:creationId xmlns:p14="http://schemas.microsoft.com/office/powerpoint/2010/main" val="1356013860"/>
       </p:ext>
     </p:extLst>
   </p:cSld>
   <p:clrMapOvr>
     <a:masterClrMapping/>
   </p:clrMapOvr>
+  <p:timing>
+    <p:tnLst>
+      <p:par>
+        <p:cTn id="1" dur="indefinite" restart="never" nodeType="tmRoot"/>
+      </p:par>
+    </p:tnLst>
+  </p:timing>
 </p:sld>
 </file>
 
@@ -15675,22 +16308,15 @@
             <p:ph type="title"/>
           </p:nvPr>
         </p:nvSpPr>
-        <p:spPr>
-          <a:xfrm>
-            <a:off x="1043490" y="2708920"/>
-            <a:ext cx="7024744" cy="1143000"/>
-          </a:xfrm>
-        </p:spPr>
+        <p:spPr/>
         <p:txBody>
           <a:bodyPr/>
           <a:lstStyle/>
           <a:p>
-            <a:pPr algn="ctr"/>
-            <a:r>
-              <a:rPr lang="zh-CN" altLang="en-US" dirty="0" smtClean="0"/>
-              <a:t>谢谢！</a:t>
-            </a:r>
-            <a:endParaRPr lang="zh-CN" altLang="en-US" dirty="0"/>
+            <a:r>
+              <a:rPr lang="zh-CN" altLang="en-US" dirty="0"/>
+              <a:t>测试用例</a:t>
+            </a:r>
           </a:p>
         </p:txBody>
       </p:sp>
@@ -15709,14 +16335,17 @@
           <a:bodyPr/>
           <a:lstStyle/>
           <a:p>
-            <a:endParaRPr lang="zh-CN" altLang="en-US" dirty="0"/>
+            <a:r>
+              <a:rPr lang="zh-CN" altLang="en-US" dirty="0"/>
+              <a:t>黑盒测试用例设计方法包括等价类划分法、边界值分析法</a:t>
+            </a:r>
           </a:p>
         </p:txBody>
       </p:sp>
     </p:spTree>
     <p:extLst>
       <p:ext uri="{BB962C8B-B14F-4D97-AF65-F5344CB8AC3E}">
-        <p14:creationId xmlns:p14="http://schemas.microsoft.com/office/powerpoint/2010/main" val="3076632905"/>
+        <p14:creationId xmlns:p14="http://schemas.microsoft.com/office/powerpoint/2010/main" val="1960778912"/>
       </p:ext>
     </p:extLst>
   </p:cSld>
